--- a/scripts/manuscript/DC_graphical_abstract.pptx
+++ b/scripts/manuscript/DC_graphical_abstract.pptx
@@ -211,7 +211,7 @@
           <a:p>
             <a:fld id="{719DD4CF-C917-4D69-9374-6EFF2E9F78C3}" type="datetimeFigureOut">
               <a:rPr lang="de-DE" smtClean="0"/>
-              <a:t>19.05.2023</a:t>
+              <a:t>16.06.2023</a:t>
             </a:fld>
             <a:endParaRPr lang="de-DE"/>
           </a:p>
@@ -1642,7 +1642,7 @@
           <a:p>
             <a:r>
               <a:rPr lang="en-US" dirty="0"/>
-              <a:t>From 2008 to 2019, overall trends in preventive services among US adults with diabetes were stable with the exception of an increase in the receipt of influenza vaccines. Trends in subgroups were heterogenous.</a:t>
+              <a:t>From 2008 to 2019, overall trends in preventive services among US adults with diabetes were stable with the exception of an increase in the receipt of influenza vaccines. Trends in subgroups were heterogeneous.</a:t>
             </a:r>
             <a:endParaRPr lang="en-GB" dirty="0"/>
           </a:p>
